--- a/AAPL_DA/AAPL_DA.pptx
+++ b/AAPL_DA/AAPL_DA.pptx
@@ -27,30 +27,30 @@
   <p:notesSz cx="6858000" cy="9144000"/>
   <p:embeddedFontLst>
     <p:embeddedFont>
-      <p:font typeface="Quicksand Bold" panose="020B0604020202020204" charset="0"/>
+      <p:font typeface="Imprint MT Shadow" panose="04020605060303030202" pitchFamily="82" charset="0"/>
       <p:regular r:id="rId17"/>
     </p:embeddedFont>
     <p:embeddedFont>
-      <p:font typeface="Open Sans" panose="020B0604020202020204" charset="0"/>
+      <p:font typeface="Quicksand Bold" panose="020B0604020202020204" charset="0"/>
       <p:regular r:id="rId18"/>
-      <p:bold r:id="rId19"/>
-      <p:italic r:id="rId20"/>
-      <p:boldItalic r:id="rId21"/>
-    </p:embeddedFont>
-    <p:embeddedFont>
-      <p:font typeface="Imprint MT Shadow" panose="04020605060303030202" pitchFamily="82" charset="0"/>
-      <p:regular r:id="rId22"/>
     </p:embeddedFont>
     <p:embeddedFont>
       <p:font typeface="Arimo Bold" panose="020B0604020202020204" charset="0"/>
-      <p:regular r:id="rId23"/>
+      <p:regular r:id="rId19"/>
+    </p:embeddedFont>
+    <p:embeddedFont>
+      <p:font typeface="Open Sans" panose="020B0604020202020204" charset="0"/>
+      <p:regular r:id="rId20"/>
+      <p:bold r:id="rId21"/>
+      <p:italic r:id="rId22"/>
+      <p:boldItalic r:id="rId23"/>
+    </p:embeddedFont>
+    <p:embeddedFont>
+      <p:font typeface="Open Sans Bold" panose="020B0604020202020204" charset="0"/>
+      <p:regular r:id="rId24"/>
     </p:embeddedFont>
     <p:embeddedFont>
       <p:font typeface="Roboto Bold" panose="020B0604020202020204" charset="0"/>
-      <p:regular r:id="rId24"/>
-    </p:embeddedFont>
-    <p:embeddedFont>
-      <p:font typeface="Open Sans Bold" panose="020B0604020202020204" charset="0"/>
       <p:regular r:id="rId25"/>
     </p:embeddedFont>
     <p:embeddedFont>
@@ -13408,15 +13408,7 @@
                 <a:ea typeface="Open Sans" panose="020B0606030504020204" pitchFamily="34" charset="0"/>
                 <a:cs typeface="Open Sans" panose="020B0606030504020204" pitchFamily="34" charset="0"/>
               </a:rPr>
-              <a:t>BIẾN</a:t>
-            </a:r>
-            <a:r>
-              <a:rPr lang="en-US" sz="3200" dirty="0" smtClean="0">
-                <a:latin typeface="Open Sans" panose="020B0606030504020204" pitchFamily="34" charset="0"/>
-                <a:ea typeface="Open Sans" panose="020B0606030504020204" pitchFamily="34" charset="0"/>
-                <a:cs typeface="Open Sans" panose="020B0606030504020204" pitchFamily="34" charset="0"/>
-              </a:rPr>
-              <a:t> </a:t>
+              <a:t>BIẾN </a:t>
             </a:r>
             <a:endParaRPr lang="en-US" sz="3200" dirty="0">
               <a:latin typeface="Open Sans" panose="020B0606030504020204" pitchFamily="34" charset="0"/>
@@ -13804,7 +13796,7 @@
         </p:nvSpPr>
         <p:spPr>
           <a:xfrm>
-            <a:off x="7924800" y="533400"/>
+            <a:off x="5486400" y="583109"/>
             <a:ext cx="8288929" cy="539378"/>
           </a:xfrm>
           <a:prstGeom prst="rect">
@@ -13857,8 +13849,8 @@
         </p:nvSpPr>
         <p:spPr>
           <a:xfrm>
-            <a:off x="7876426" y="1685657"/>
-            <a:ext cx="8991600" cy="942053"/>
+            <a:off x="3229553" y="1198439"/>
+            <a:ext cx="12372226" cy="487313"/>
           </a:xfrm>
           <a:prstGeom prst="rect">
             <a:avLst/>
@@ -14212,119 +14204,9 @@
           </p:spPr>
         </p:sp>
       </p:grpSp>
-      <p:sp>
-        <p:nvSpPr>
-          <p:cNvPr id="14" name="TextBox 8">
-            <a:extLst>
-              <a:ext uri="{FF2B5EF4-FFF2-40B4-BE49-F238E27FC236}">
-                <a16:creationId xmlns:a16="http://schemas.microsoft.com/office/drawing/2014/main" id="{85046328-2AEB-23B6-7997-1B149340A473}"/>
-              </a:ext>
-            </a:extLst>
-          </p:cNvPr>
-          <p:cNvSpPr txBox="1"/>
-          <p:nvPr/>
-        </p:nvSpPr>
-        <p:spPr>
-          <a:xfrm>
-            <a:off x="9323987" y="8060949"/>
-            <a:ext cx="8991600" cy="487313"/>
-          </a:xfrm>
-          <a:prstGeom prst="rect">
-            <a:avLst/>
-          </a:prstGeom>
-        </p:spPr>
-        <p:txBody>
-          <a:bodyPr wrap="square" lIns="0" tIns="0" rIns="0" bIns="0" rtlCol="0" anchor="t">
-            <a:spAutoFit/>
-          </a:bodyPr>
-          <a:lstStyle/>
-          <a:p>
-            <a:pPr>
-              <a:lnSpc>
-                <a:spcPts val="3774"/>
-              </a:lnSpc>
-            </a:pPr>
-            <a:r>
-              <a:rPr lang="en-US" sz="2696" b="1" dirty="0">
-                <a:solidFill>
-                  <a:srgbClr val="000000"/>
-                </a:solidFill>
-                <a:latin typeface="Open Sans"/>
-              </a:rPr>
-              <a:t>Xem thêm các chỉ </a:t>
-            </a:r>
-            <a:r>
-              <a:rPr lang="en-US" sz="2696" b="1" dirty="0" smtClean="0">
-                <a:solidFill>
-                  <a:srgbClr val="000000"/>
-                </a:solidFill>
-                <a:latin typeface="Open Sans"/>
-              </a:rPr>
-              <a:t>số</a:t>
-            </a:r>
-            <a:r>
-              <a:rPr lang="en-US" sz="2696" b="1" dirty="0" smtClean="0">
-                <a:solidFill>
-                  <a:srgbClr val="000000"/>
-                </a:solidFill>
-                <a:latin typeface="Open Sans"/>
-              </a:rPr>
-              <a:t> </a:t>
-            </a:r>
-            <a:r>
-              <a:rPr lang="en-US" sz="2696" b="1" dirty="0">
-                <a:solidFill>
-                  <a:srgbClr val="000000"/>
-                </a:solidFill>
-                <a:latin typeface="Open Sans"/>
-              </a:rPr>
-              <a:t>chi tiết trong </a:t>
-            </a:r>
-            <a:r>
-              <a:rPr lang="en-US" sz="2696" b="1" dirty="0" smtClean="0">
-                <a:solidFill>
-                  <a:srgbClr val="000000"/>
-                </a:solidFill>
-                <a:latin typeface="Open Sans"/>
-              </a:rPr>
-              <a:t>source</a:t>
-            </a:r>
-            <a:r>
-              <a:rPr lang="en-US" sz="2696" b="1" dirty="0" smtClean="0">
-                <a:solidFill>
-                  <a:srgbClr val="000000"/>
-                </a:solidFill>
-                <a:latin typeface="Open Sans"/>
-              </a:rPr>
-              <a:t> </a:t>
-            </a:r>
-            <a:r>
-              <a:rPr lang="en-US" sz="2696" b="1" dirty="0">
-                <a:solidFill>
-                  <a:srgbClr val="000000"/>
-                </a:solidFill>
-                <a:latin typeface="Open Sans"/>
-              </a:rPr>
-              <a:t>code</a:t>
-            </a:r>
-            <a:endParaRPr lang="en-US" sz="2696" dirty="0">
-              <a:solidFill>
-                <a:srgbClr val="000000"/>
-              </a:solidFill>
-              <a:latin typeface="Open Sans"/>
-            </a:endParaRPr>
-          </a:p>
-        </p:txBody>
-      </p:sp>
       <p:pic>
         <p:nvPicPr>
-          <p:cNvPr id="6" name="Picture 5">
-            <a:extLst>
-              <a:ext uri="{FF2B5EF4-FFF2-40B4-BE49-F238E27FC236}">
-                <a16:creationId xmlns:a16="http://schemas.microsoft.com/office/drawing/2014/main" id="{9B156AEB-0CFD-D2E6-2DFE-8BEEFFE5A40D}"/>
-              </a:ext>
-            </a:extLst>
-          </p:cNvPr>
+          <p:cNvPr id="4" name="Picture 3"/>
           <p:cNvPicPr>
             <a:picLocks noChangeAspect="1"/>
           </p:cNvPicPr>
@@ -14338,158 +14220,8 @@
         </p:blipFill>
         <p:spPr>
           <a:xfrm>
-            <a:off x="919340" y="419100"/>
-            <a:ext cx="5925377" cy="7259063"/>
-          </a:xfrm>
-          <a:prstGeom prst="rect">
-            <a:avLst/>
-          </a:prstGeom>
-        </p:spPr>
-      </p:pic>
-      <p:pic>
-        <p:nvPicPr>
-          <p:cNvPr id="16" name="Picture 15">
-            <a:extLst>
-              <a:ext uri="{FF2B5EF4-FFF2-40B4-BE49-F238E27FC236}">
-                <a16:creationId xmlns:a16="http://schemas.microsoft.com/office/drawing/2014/main" id="{870D92C7-A3D8-259F-0E3F-CFDBD7AEAD5F}"/>
-              </a:ext>
-            </a:extLst>
-          </p:cNvPr>
-          <p:cNvPicPr>
-            <a:picLocks noChangeAspect="1"/>
-          </p:cNvPicPr>
-          <p:nvPr/>
-        </p:nvPicPr>
-        <p:blipFill>
-          <a:blip r:embed="rId3"/>
-          <a:stretch>
-            <a:fillRect/>
-          </a:stretch>
-        </p:blipFill>
-        <p:spPr>
-          <a:xfrm>
-            <a:off x="7298750" y="2873372"/>
-            <a:ext cx="2399064" cy="1876687"/>
-          </a:xfrm>
-          <a:prstGeom prst="rect">
-            <a:avLst/>
-          </a:prstGeom>
-        </p:spPr>
-      </p:pic>
-      <p:pic>
-        <p:nvPicPr>
-          <p:cNvPr id="17" name="Picture 16">
-            <a:extLst>
-              <a:ext uri="{FF2B5EF4-FFF2-40B4-BE49-F238E27FC236}">
-                <a16:creationId xmlns:a16="http://schemas.microsoft.com/office/drawing/2014/main" id="{1C253CF0-E5B1-5C0E-EC02-C3A1101EF97F}"/>
-              </a:ext>
-            </a:extLst>
-          </p:cNvPr>
-          <p:cNvPicPr>
-            <a:picLocks noChangeAspect="1"/>
-          </p:cNvPicPr>
-          <p:nvPr/>
-        </p:nvPicPr>
-        <p:blipFill>
-          <a:blip r:embed="rId4"/>
-          <a:stretch>
-            <a:fillRect/>
-          </a:stretch>
-        </p:blipFill>
-        <p:spPr>
-          <a:xfrm>
-            <a:off x="8325983" y="5094725"/>
-            <a:ext cx="6096851" cy="2276793"/>
-          </a:xfrm>
-          <a:prstGeom prst="rect">
-            <a:avLst/>
-          </a:prstGeom>
-        </p:spPr>
-      </p:pic>
-      <p:pic>
-        <p:nvPicPr>
-          <p:cNvPr id="18" name="Picture 17">
-            <a:extLst>
-              <a:ext uri="{FF2B5EF4-FFF2-40B4-BE49-F238E27FC236}">
-                <a16:creationId xmlns:a16="http://schemas.microsoft.com/office/drawing/2014/main" id="{F2B61CE3-6670-1AAA-C812-03ACBA34B42E}"/>
-              </a:ext>
-            </a:extLst>
-          </p:cNvPr>
-          <p:cNvPicPr>
-            <a:picLocks noChangeAspect="1"/>
-          </p:cNvPicPr>
-          <p:nvPr/>
-        </p:nvPicPr>
-        <p:blipFill>
-          <a:blip r:embed="rId5"/>
-          <a:stretch>
-            <a:fillRect/>
-          </a:stretch>
-        </p:blipFill>
-        <p:spPr>
-          <a:xfrm>
-            <a:off x="10188381" y="2875787"/>
-            <a:ext cx="2372056" cy="1876687"/>
-          </a:xfrm>
-          <a:prstGeom prst="rect">
-            <a:avLst/>
-          </a:prstGeom>
-        </p:spPr>
-      </p:pic>
-      <p:pic>
-        <p:nvPicPr>
-          <p:cNvPr id="19" name="Picture 18">
-            <a:extLst>
-              <a:ext uri="{FF2B5EF4-FFF2-40B4-BE49-F238E27FC236}">
-                <a16:creationId xmlns:a16="http://schemas.microsoft.com/office/drawing/2014/main" id="{98808A91-B661-DA20-1AFC-13DDE960065D}"/>
-              </a:ext>
-            </a:extLst>
-          </p:cNvPr>
-          <p:cNvPicPr>
-            <a:picLocks noChangeAspect="1"/>
-          </p:cNvPicPr>
-          <p:nvPr/>
-        </p:nvPicPr>
-        <p:blipFill>
-          <a:blip r:embed="rId6"/>
-          <a:stretch>
-            <a:fillRect/>
-          </a:stretch>
-        </p:blipFill>
-        <p:spPr>
-          <a:xfrm>
-            <a:off x="12926095" y="2875787"/>
-            <a:ext cx="2419688" cy="1819529"/>
-          </a:xfrm>
-          <a:prstGeom prst="rect">
-            <a:avLst/>
-          </a:prstGeom>
-        </p:spPr>
-      </p:pic>
-      <p:pic>
-        <p:nvPicPr>
-          <p:cNvPr id="22" name="Picture 21">
-            <a:extLst>
-              <a:ext uri="{FF2B5EF4-FFF2-40B4-BE49-F238E27FC236}">
-                <a16:creationId xmlns:a16="http://schemas.microsoft.com/office/drawing/2014/main" id="{F0DA3B56-197C-DE06-898D-03F82600FACF}"/>
-              </a:ext>
-            </a:extLst>
-          </p:cNvPr>
-          <p:cNvPicPr>
-            <a:picLocks noChangeAspect="1"/>
-          </p:cNvPicPr>
-          <p:nvPr/>
-        </p:nvPicPr>
-        <p:blipFill>
-          <a:blip r:embed="rId7"/>
-          <a:stretch>
-            <a:fillRect/>
-          </a:stretch>
-        </p:blipFill>
-        <p:spPr>
-          <a:xfrm>
-            <a:off x="15711441" y="2873372"/>
-            <a:ext cx="2391109" cy="1810003"/>
+            <a:off x="4800600" y="2087116"/>
+            <a:ext cx="7114443" cy="6029452"/>
           </a:xfrm>
           <a:prstGeom prst="rect">
             <a:avLst/>
@@ -14621,41 +14353,6 @@
                                   </p:childTnLst>
                                 </p:cTn>
                               </p:par>
-                              <p:par>
-                                <p:cTn id="13" presetID="6" presetClass="entr" presetSubtype="16" fill="hold" grpId="0" nodeType="withEffect">
-                                  <p:stCondLst>
-                                    <p:cond delay="0"/>
-                                  </p:stCondLst>
-                                  <p:childTnLst>
-                                    <p:set>
-                                      <p:cBhvr>
-                                        <p:cTn id="14" dur="1" fill="hold">
-                                          <p:stCondLst>
-                                            <p:cond delay="0"/>
-                                          </p:stCondLst>
-                                        </p:cTn>
-                                        <p:tgtEl>
-                                          <p:spTgt spid="14"/>
-                                        </p:tgtEl>
-                                        <p:attrNameLst>
-                                          <p:attrName>style.visibility</p:attrName>
-                                        </p:attrNameLst>
-                                      </p:cBhvr>
-                                      <p:to>
-                                        <p:strVal val="visible"/>
-                                      </p:to>
-                                    </p:set>
-                                    <p:animEffect transition="in" filter="circle(in)">
-                                      <p:cBhvr>
-                                        <p:cTn id="15" dur="2000"/>
-                                        <p:tgtEl>
-                                          <p:spTgt spid="14"/>
-                                        </p:tgtEl>
-                                      </p:cBhvr>
-                                    </p:animEffect>
-                                  </p:childTnLst>
-                                </p:cTn>
-                              </p:par>
                             </p:childTnLst>
                           </p:cTn>
                         </p:par>
@@ -14686,7 +14383,6 @@
     <p:bldLst>
       <p:bldP spid="7" grpId="0"/>
       <p:bldP spid="8" grpId="0"/>
-      <p:bldP spid="14" grpId="0"/>
     </p:bldLst>
   </p:timing>
 </p:sld>
@@ -14992,7 +14688,7 @@
               <a:t>eatmap này cho thấy rằng </a:t>
             </a:r>
             <a:r>
-              <a:rPr lang="en-US" sz="3600" dirty="0" err="1">
+              <a:rPr lang="en-US" sz="3600" dirty="0">
                 <a:solidFill>
                   <a:srgbClr val="1F1F1F"/>
                 </a:solidFill>
@@ -15000,7 +14696,18 @@
                 <a:ea typeface="Open Sans" panose="020B0606030504020204" pitchFamily="34" charset="0"/>
                 <a:cs typeface="Open Sans" panose="020B0606030504020204" pitchFamily="34" charset="0"/>
               </a:rPr>
-              <a:t>đặc</a:t>
+              <a:t>đặc trưng High và Low có độ tương quan cao so với giá Close với độ tương </a:t>
+            </a:r>
+            <a:r>
+              <a:rPr lang="en-US" sz="3600" dirty="0" smtClean="0">
+                <a:solidFill>
+                  <a:srgbClr val="1F1F1F"/>
+                </a:solidFill>
+                <a:latin typeface="Open Sans" panose="020B0606030504020204" pitchFamily="34" charset="0"/>
+                <a:ea typeface="Open Sans" panose="020B0606030504020204" pitchFamily="34" charset="0"/>
+                <a:cs typeface="Open Sans" panose="020B0606030504020204" pitchFamily="34" charset="0"/>
+              </a:rPr>
+              <a:t>quan là 0.99744 và 0.998, </a:t>
             </a:r>
             <a:r>
               <a:rPr lang="en-US" sz="3600" dirty="0">
@@ -15011,10 +14718,10 @@
                 <a:ea typeface="Open Sans" panose="020B0606030504020204" pitchFamily="34" charset="0"/>
                 <a:cs typeface="Open Sans" panose="020B0606030504020204" pitchFamily="34" charset="0"/>
               </a:rPr>
-              <a:t> </a:t>
-            </a:r>
-            <a:r>
-              <a:rPr lang="en-US" sz="3600" dirty="0" err="1">
+              <a:t>đặc trưng Open thấp hơn với </a:t>
+            </a:r>
+            <a:r>
+              <a:rPr lang="en-US" sz="3600" dirty="0" smtClean="0">
                 <a:solidFill>
                   <a:srgbClr val="1F1F1F"/>
                 </a:solidFill>
@@ -15022,370 +14729,7 @@
                 <a:ea typeface="Open Sans" panose="020B0606030504020204" pitchFamily="34" charset="0"/>
                 <a:cs typeface="Open Sans" panose="020B0606030504020204" pitchFamily="34" charset="0"/>
               </a:rPr>
-              <a:t>trưng</a:t>
-            </a:r>
-            <a:r>
-              <a:rPr lang="en-US" sz="3600" dirty="0">
-                <a:solidFill>
-                  <a:srgbClr val="1F1F1F"/>
-                </a:solidFill>
-                <a:latin typeface="Open Sans" panose="020B0606030504020204" pitchFamily="34" charset="0"/>
-                <a:ea typeface="Open Sans" panose="020B0606030504020204" pitchFamily="34" charset="0"/>
-                <a:cs typeface="Open Sans" panose="020B0606030504020204" pitchFamily="34" charset="0"/>
-              </a:rPr>
-              <a:t> High </a:t>
-            </a:r>
-            <a:r>
-              <a:rPr lang="en-US" sz="3600" dirty="0" err="1">
-                <a:solidFill>
-                  <a:srgbClr val="1F1F1F"/>
-                </a:solidFill>
-                <a:latin typeface="Open Sans" panose="020B0606030504020204" pitchFamily="34" charset="0"/>
-                <a:ea typeface="Open Sans" panose="020B0606030504020204" pitchFamily="34" charset="0"/>
-                <a:cs typeface="Open Sans" panose="020B0606030504020204" pitchFamily="34" charset="0"/>
-              </a:rPr>
-              <a:t>va</a:t>
-            </a:r>
-            <a:r>
-              <a:rPr lang="en-US" sz="3600" dirty="0">
-                <a:solidFill>
-                  <a:srgbClr val="1F1F1F"/>
-                </a:solidFill>
-                <a:latin typeface="Open Sans" panose="020B0606030504020204" pitchFamily="34" charset="0"/>
-                <a:ea typeface="Open Sans" panose="020B0606030504020204" pitchFamily="34" charset="0"/>
-                <a:cs typeface="Open Sans" panose="020B0606030504020204" pitchFamily="34" charset="0"/>
-              </a:rPr>
-              <a:t>̀ Low có </a:t>
-            </a:r>
-            <a:r>
-              <a:rPr lang="en-US" sz="3600" dirty="0" err="1">
-                <a:solidFill>
-                  <a:srgbClr val="1F1F1F"/>
-                </a:solidFill>
-                <a:latin typeface="Open Sans" panose="020B0606030504020204" pitchFamily="34" charset="0"/>
-                <a:ea typeface="Open Sans" panose="020B0606030504020204" pitchFamily="34" charset="0"/>
-                <a:cs typeface="Open Sans" panose="020B0606030504020204" pitchFamily="34" charset="0"/>
-              </a:rPr>
-              <a:t>đô</a:t>
-            </a:r>
-            <a:r>
-              <a:rPr lang="en-US" sz="3600" dirty="0">
-                <a:solidFill>
-                  <a:srgbClr val="1F1F1F"/>
-                </a:solidFill>
-                <a:latin typeface="Open Sans" panose="020B0606030504020204" pitchFamily="34" charset="0"/>
-                <a:ea typeface="Open Sans" panose="020B0606030504020204" pitchFamily="34" charset="0"/>
-                <a:cs typeface="Open Sans" panose="020B0606030504020204" pitchFamily="34" charset="0"/>
-              </a:rPr>
-              <a:t>̣ </a:t>
-            </a:r>
-            <a:r>
-              <a:rPr lang="en-US" sz="3600" dirty="0" err="1">
-                <a:solidFill>
-                  <a:srgbClr val="1F1F1F"/>
-                </a:solidFill>
-                <a:latin typeface="Open Sans" panose="020B0606030504020204" pitchFamily="34" charset="0"/>
-                <a:ea typeface="Open Sans" panose="020B0606030504020204" pitchFamily="34" charset="0"/>
-                <a:cs typeface="Open Sans" panose="020B0606030504020204" pitchFamily="34" charset="0"/>
-              </a:rPr>
-              <a:t>tương</a:t>
-            </a:r>
-            <a:r>
-              <a:rPr lang="en-US" sz="3600" dirty="0">
-                <a:solidFill>
-                  <a:srgbClr val="1F1F1F"/>
-                </a:solidFill>
-                <a:latin typeface="Open Sans" panose="020B0606030504020204" pitchFamily="34" charset="0"/>
-                <a:ea typeface="Open Sans" panose="020B0606030504020204" pitchFamily="34" charset="0"/>
-                <a:cs typeface="Open Sans" panose="020B0606030504020204" pitchFamily="34" charset="0"/>
-              </a:rPr>
-              <a:t> </a:t>
-            </a:r>
-            <a:r>
-              <a:rPr lang="en-US" sz="3600" dirty="0" err="1">
-                <a:solidFill>
-                  <a:srgbClr val="1F1F1F"/>
-                </a:solidFill>
-                <a:latin typeface="Open Sans" panose="020B0606030504020204" pitchFamily="34" charset="0"/>
-                <a:ea typeface="Open Sans" panose="020B0606030504020204" pitchFamily="34" charset="0"/>
-                <a:cs typeface="Open Sans" panose="020B0606030504020204" pitchFamily="34" charset="0"/>
-              </a:rPr>
-              <a:t>quan</a:t>
-            </a:r>
-            <a:r>
-              <a:rPr lang="en-US" sz="3600" dirty="0">
-                <a:solidFill>
-                  <a:srgbClr val="1F1F1F"/>
-                </a:solidFill>
-                <a:latin typeface="Open Sans" panose="020B0606030504020204" pitchFamily="34" charset="0"/>
-                <a:ea typeface="Open Sans" panose="020B0606030504020204" pitchFamily="34" charset="0"/>
-                <a:cs typeface="Open Sans" panose="020B0606030504020204" pitchFamily="34" charset="0"/>
-              </a:rPr>
-              <a:t> </a:t>
-            </a:r>
-            <a:r>
-              <a:rPr lang="en-US" sz="3600" dirty="0" err="1">
-                <a:solidFill>
-                  <a:srgbClr val="1F1F1F"/>
-                </a:solidFill>
-                <a:latin typeface="Open Sans" panose="020B0606030504020204" pitchFamily="34" charset="0"/>
-                <a:ea typeface="Open Sans" panose="020B0606030504020204" pitchFamily="34" charset="0"/>
-                <a:cs typeface="Open Sans" panose="020B0606030504020204" pitchFamily="34" charset="0"/>
-              </a:rPr>
-              <a:t>cao</a:t>
-            </a:r>
-            <a:r>
-              <a:rPr lang="en-US" sz="3600" dirty="0">
-                <a:solidFill>
-                  <a:srgbClr val="1F1F1F"/>
-                </a:solidFill>
-                <a:latin typeface="Open Sans" panose="020B0606030504020204" pitchFamily="34" charset="0"/>
-                <a:ea typeface="Open Sans" panose="020B0606030504020204" pitchFamily="34" charset="0"/>
-                <a:cs typeface="Open Sans" panose="020B0606030504020204" pitchFamily="34" charset="0"/>
-              </a:rPr>
-              <a:t> so </a:t>
-            </a:r>
-            <a:r>
-              <a:rPr lang="en-US" sz="3600" dirty="0" err="1">
-                <a:solidFill>
-                  <a:srgbClr val="1F1F1F"/>
-                </a:solidFill>
-                <a:latin typeface="Open Sans" panose="020B0606030504020204" pitchFamily="34" charset="0"/>
-                <a:ea typeface="Open Sans" panose="020B0606030504020204" pitchFamily="34" charset="0"/>
-                <a:cs typeface="Open Sans" panose="020B0606030504020204" pitchFamily="34" charset="0"/>
-              </a:rPr>
-              <a:t>với</a:t>
-            </a:r>
-            <a:r>
-              <a:rPr lang="en-US" sz="3600" dirty="0">
-                <a:solidFill>
-                  <a:srgbClr val="1F1F1F"/>
-                </a:solidFill>
-                <a:latin typeface="Open Sans" panose="020B0606030504020204" pitchFamily="34" charset="0"/>
-                <a:ea typeface="Open Sans" panose="020B0606030504020204" pitchFamily="34" charset="0"/>
-                <a:cs typeface="Open Sans" panose="020B0606030504020204" pitchFamily="34" charset="0"/>
-              </a:rPr>
-              <a:t> </a:t>
-            </a:r>
-            <a:r>
-              <a:rPr lang="en-US" sz="3600" dirty="0" err="1">
-                <a:solidFill>
-                  <a:srgbClr val="1F1F1F"/>
-                </a:solidFill>
-                <a:latin typeface="Open Sans" panose="020B0606030504020204" pitchFamily="34" charset="0"/>
-                <a:ea typeface="Open Sans" panose="020B0606030504020204" pitchFamily="34" charset="0"/>
-                <a:cs typeface="Open Sans" panose="020B0606030504020204" pitchFamily="34" charset="0"/>
-              </a:rPr>
-              <a:t>gia</a:t>
-            </a:r>
-            <a:r>
-              <a:rPr lang="en-US" sz="3600" dirty="0">
-                <a:solidFill>
-                  <a:srgbClr val="1F1F1F"/>
-                </a:solidFill>
-                <a:latin typeface="Open Sans" panose="020B0606030504020204" pitchFamily="34" charset="0"/>
-                <a:ea typeface="Open Sans" panose="020B0606030504020204" pitchFamily="34" charset="0"/>
-                <a:cs typeface="Open Sans" panose="020B0606030504020204" pitchFamily="34" charset="0"/>
-              </a:rPr>
-              <a:t>́ Close </a:t>
-            </a:r>
-            <a:r>
-              <a:rPr lang="en-US" sz="3600" dirty="0" err="1">
-                <a:solidFill>
-                  <a:srgbClr val="1F1F1F"/>
-                </a:solidFill>
-                <a:latin typeface="Open Sans" panose="020B0606030504020204" pitchFamily="34" charset="0"/>
-                <a:ea typeface="Open Sans" panose="020B0606030504020204" pitchFamily="34" charset="0"/>
-                <a:cs typeface="Open Sans" panose="020B0606030504020204" pitchFamily="34" charset="0"/>
-              </a:rPr>
-              <a:t>với</a:t>
-            </a:r>
-            <a:r>
-              <a:rPr lang="en-US" sz="3600" dirty="0">
-                <a:solidFill>
-                  <a:srgbClr val="1F1F1F"/>
-                </a:solidFill>
-                <a:latin typeface="Open Sans" panose="020B0606030504020204" pitchFamily="34" charset="0"/>
-                <a:ea typeface="Open Sans" panose="020B0606030504020204" pitchFamily="34" charset="0"/>
-                <a:cs typeface="Open Sans" panose="020B0606030504020204" pitchFamily="34" charset="0"/>
-              </a:rPr>
-              <a:t> </a:t>
-            </a:r>
-            <a:r>
-              <a:rPr lang="en-US" sz="3600" dirty="0" err="1">
-                <a:solidFill>
-                  <a:srgbClr val="1F1F1F"/>
-                </a:solidFill>
-                <a:latin typeface="Open Sans" panose="020B0606030504020204" pitchFamily="34" charset="0"/>
-                <a:ea typeface="Open Sans" panose="020B0606030504020204" pitchFamily="34" charset="0"/>
-                <a:cs typeface="Open Sans" panose="020B0606030504020204" pitchFamily="34" charset="0"/>
-              </a:rPr>
-              <a:t>đô</a:t>
-            </a:r>
-            <a:r>
-              <a:rPr lang="en-US" sz="3600" dirty="0">
-                <a:solidFill>
-                  <a:srgbClr val="1F1F1F"/>
-                </a:solidFill>
-                <a:latin typeface="Open Sans" panose="020B0606030504020204" pitchFamily="34" charset="0"/>
-                <a:ea typeface="Open Sans" panose="020B0606030504020204" pitchFamily="34" charset="0"/>
-                <a:cs typeface="Open Sans" panose="020B0606030504020204" pitchFamily="34" charset="0"/>
-              </a:rPr>
-              <a:t>̣ </a:t>
-            </a:r>
-            <a:r>
-              <a:rPr lang="en-US" sz="3600" dirty="0" err="1">
-                <a:solidFill>
-                  <a:srgbClr val="1F1F1F"/>
-                </a:solidFill>
-                <a:latin typeface="Open Sans" panose="020B0606030504020204" pitchFamily="34" charset="0"/>
-                <a:ea typeface="Open Sans" panose="020B0606030504020204" pitchFamily="34" charset="0"/>
-                <a:cs typeface="Open Sans" panose="020B0606030504020204" pitchFamily="34" charset="0"/>
-              </a:rPr>
-              <a:t>tương</a:t>
-            </a:r>
-            <a:r>
-              <a:rPr lang="en-US" sz="3600" dirty="0">
-                <a:solidFill>
-                  <a:srgbClr val="1F1F1F"/>
-                </a:solidFill>
-                <a:latin typeface="Open Sans" panose="020B0606030504020204" pitchFamily="34" charset="0"/>
-                <a:ea typeface="Open Sans" panose="020B0606030504020204" pitchFamily="34" charset="0"/>
-                <a:cs typeface="Open Sans" panose="020B0606030504020204" pitchFamily="34" charset="0"/>
-              </a:rPr>
-              <a:t> </a:t>
-            </a:r>
-            <a:r>
-              <a:rPr lang="en-US" sz="3600" dirty="0" err="1">
-                <a:solidFill>
-                  <a:srgbClr val="1F1F1F"/>
-                </a:solidFill>
-                <a:latin typeface="Open Sans" panose="020B0606030504020204" pitchFamily="34" charset="0"/>
-                <a:ea typeface="Open Sans" panose="020B0606030504020204" pitchFamily="34" charset="0"/>
-                <a:cs typeface="Open Sans" panose="020B0606030504020204" pitchFamily="34" charset="0"/>
-              </a:rPr>
-              <a:t>quan</a:t>
-            </a:r>
-            <a:r>
-              <a:rPr lang="en-US" sz="3600" dirty="0">
-                <a:solidFill>
-                  <a:srgbClr val="1F1F1F"/>
-                </a:solidFill>
-                <a:latin typeface="Open Sans" panose="020B0606030504020204" pitchFamily="34" charset="0"/>
-                <a:ea typeface="Open Sans" panose="020B0606030504020204" pitchFamily="34" charset="0"/>
-                <a:cs typeface="Open Sans" panose="020B0606030504020204" pitchFamily="34" charset="0"/>
-              </a:rPr>
-              <a:t> = 1, </a:t>
-            </a:r>
-            <a:r>
-              <a:rPr lang="en-US" sz="3600" dirty="0" err="1">
-                <a:solidFill>
-                  <a:srgbClr val="1F1F1F"/>
-                </a:solidFill>
-                <a:latin typeface="Open Sans" panose="020B0606030504020204" pitchFamily="34" charset="0"/>
-                <a:ea typeface="Open Sans" panose="020B0606030504020204" pitchFamily="34" charset="0"/>
-                <a:cs typeface="Open Sans" panose="020B0606030504020204" pitchFamily="34" charset="0"/>
-              </a:rPr>
-              <a:t>đặc</a:t>
-            </a:r>
-            <a:r>
-              <a:rPr lang="en-US" sz="3600" dirty="0">
-                <a:solidFill>
-                  <a:srgbClr val="1F1F1F"/>
-                </a:solidFill>
-                <a:latin typeface="Open Sans" panose="020B0606030504020204" pitchFamily="34" charset="0"/>
-                <a:ea typeface="Open Sans" panose="020B0606030504020204" pitchFamily="34" charset="0"/>
-                <a:cs typeface="Open Sans" panose="020B0606030504020204" pitchFamily="34" charset="0"/>
-              </a:rPr>
-              <a:t> </a:t>
-            </a:r>
-            <a:r>
-              <a:rPr lang="en-US" sz="3600" dirty="0" err="1">
-                <a:solidFill>
-                  <a:srgbClr val="1F1F1F"/>
-                </a:solidFill>
-                <a:latin typeface="Open Sans" panose="020B0606030504020204" pitchFamily="34" charset="0"/>
-                <a:ea typeface="Open Sans" panose="020B0606030504020204" pitchFamily="34" charset="0"/>
-                <a:cs typeface="Open Sans" panose="020B0606030504020204" pitchFamily="34" charset="0"/>
-              </a:rPr>
-              <a:t>trưng</a:t>
-            </a:r>
-            <a:r>
-              <a:rPr lang="en-US" sz="3600" dirty="0">
-                <a:solidFill>
-                  <a:srgbClr val="1F1F1F"/>
-                </a:solidFill>
-                <a:latin typeface="Open Sans" panose="020B0606030504020204" pitchFamily="34" charset="0"/>
-                <a:ea typeface="Open Sans" panose="020B0606030504020204" pitchFamily="34" charset="0"/>
-                <a:cs typeface="Open Sans" panose="020B0606030504020204" pitchFamily="34" charset="0"/>
-              </a:rPr>
-              <a:t> Open </a:t>
-            </a:r>
-            <a:r>
-              <a:rPr lang="en-US" sz="3600" dirty="0" err="1">
-                <a:solidFill>
-                  <a:srgbClr val="1F1F1F"/>
-                </a:solidFill>
-                <a:latin typeface="Open Sans" panose="020B0606030504020204" pitchFamily="34" charset="0"/>
-                <a:ea typeface="Open Sans" panose="020B0606030504020204" pitchFamily="34" charset="0"/>
-                <a:cs typeface="Open Sans" panose="020B0606030504020204" pitchFamily="34" charset="0"/>
-              </a:rPr>
-              <a:t>thấp</a:t>
-            </a:r>
-            <a:r>
-              <a:rPr lang="en-US" sz="3600" dirty="0">
-                <a:solidFill>
-                  <a:srgbClr val="1F1F1F"/>
-                </a:solidFill>
-                <a:latin typeface="Open Sans" panose="020B0606030504020204" pitchFamily="34" charset="0"/>
-                <a:ea typeface="Open Sans" panose="020B0606030504020204" pitchFamily="34" charset="0"/>
-                <a:cs typeface="Open Sans" panose="020B0606030504020204" pitchFamily="34" charset="0"/>
-              </a:rPr>
-              <a:t> </a:t>
-            </a:r>
-            <a:r>
-              <a:rPr lang="en-US" sz="3600" dirty="0" err="1">
-                <a:solidFill>
-                  <a:srgbClr val="1F1F1F"/>
-                </a:solidFill>
-                <a:latin typeface="Open Sans" panose="020B0606030504020204" pitchFamily="34" charset="0"/>
-                <a:ea typeface="Open Sans" panose="020B0606030504020204" pitchFamily="34" charset="0"/>
-                <a:cs typeface="Open Sans" panose="020B0606030504020204" pitchFamily="34" charset="0"/>
-              </a:rPr>
-              <a:t>hơn</a:t>
-            </a:r>
-            <a:r>
-              <a:rPr lang="en-US" sz="3600" dirty="0">
-                <a:solidFill>
-                  <a:srgbClr val="1F1F1F"/>
-                </a:solidFill>
-                <a:latin typeface="Open Sans" panose="020B0606030504020204" pitchFamily="34" charset="0"/>
-                <a:ea typeface="Open Sans" panose="020B0606030504020204" pitchFamily="34" charset="0"/>
-                <a:cs typeface="Open Sans" panose="020B0606030504020204" pitchFamily="34" charset="0"/>
-              </a:rPr>
-              <a:t> </a:t>
-            </a:r>
-            <a:r>
-              <a:rPr lang="en-US" sz="3600" dirty="0" err="1">
-                <a:solidFill>
-                  <a:srgbClr val="1F1F1F"/>
-                </a:solidFill>
-                <a:latin typeface="Open Sans" panose="020B0606030504020204" pitchFamily="34" charset="0"/>
-                <a:ea typeface="Open Sans" panose="020B0606030504020204" pitchFamily="34" charset="0"/>
-                <a:cs typeface="Open Sans" panose="020B0606030504020204" pitchFamily="34" charset="0"/>
-              </a:rPr>
-              <a:t>với</a:t>
-            </a:r>
-            <a:r>
-              <a:rPr lang="en-US" sz="3600" dirty="0">
-                <a:solidFill>
-                  <a:srgbClr val="1F1F1F"/>
-                </a:solidFill>
-                <a:latin typeface="Open Sans" panose="020B0606030504020204" pitchFamily="34" charset="0"/>
-                <a:ea typeface="Open Sans" panose="020B0606030504020204" pitchFamily="34" charset="0"/>
-                <a:cs typeface="Open Sans" panose="020B0606030504020204" pitchFamily="34" charset="0"/>
-              </a:rPr>
-              <a:t> 0.99</a:t>
+              <a:t>0.99441</a:t>
             </a:r>
             <a:endParaRPr lang="en-US" sz="3600" dirty="0">
               <a:solidFill>
@@ -15434,13 +14778,7 @@
       </p:sp>
       <p:pic>
         <p:nvPicPr>
-          <p:cNvPr id="7" name="Picture 6">
-            <a:extLst>
-              <a:ext uri="{FF2B5EF4-FFF2-40B4-BE49-F238E27FC236}">
-                <a16:creationId xmlns:a16="http://schemas.microsoft.com/office/drawing/2014/main" id="{25E0BD56-2944-26FF-23FB-D78F634BDD69}"/>
-              </a:ext>
-            </a:extLst>
-          </p:cNvPr>
+          <p:cNvPr id="4" name="Picture 3"/>
           <p:cNvPicPr>
             <a:picLocks noChangeAspect="1"/>
           </p:cNvPicPr>
@@ -15454,8 +14792,8 @@
         </p:blipFill>
         <p:spPr>
           <a:xfrm>
-            <a:off x="533400" y="1181100"/>
-            <a:ext cx="6344535" cy="5125165"/>
+            <a:off x="792944" y="1409700"/>
+            <a:ext cx="6410196" cy="5257800"/>
           </a:xfrm>
           <a:prstGeom prst="rect">
             <a:avLst/>
@@ -16133,499 +15471,49 @@
           <a:lstStyle/>
           <a:p>
             <a:r>
-              <a:rPr lang="en-US" sz="3600" b="1" dirty="0" err="1">
+              <a:rPr lang="en-US" sz="3600" b="1" dirty="0">
                 <a:solidFill>
                   <a:srgbClr val="000000"/>
                 </a:solidFill>
                 <a:latin typeface="Open Sans"/>
               </a:rPr>
-              <a:t>Cách</a:t>
-            </a:r>
-            <a:r>
-              <a:rPr lang="en-US" sz="3600" b="1" dirty="0">
+              <a:t>Cách vẽ: </a:t>
+            </a:r>
+            <a:r>
+              <a:rPr lang="en-US" sz="3600" dirty="0">
                 <a:solidFill>
                   <a:srgbClr val="000000"/>
                 </a:solidFill>
                 <a:latin typeface="Open Sans"/>
               </a:rPr>
-              <a:t> </a:t>
-            </a:r>
-            <a:r>
-              <a:rPr lang="en-US" sz="3600" b="1" dirty="0" err="1">
+              <a:t>Tôi đã sử dụng thư viện matplotlib.pyplot và seaborn cùng vòng lặp </a:t>
+            </a:r>
+            <a:r>
+              <a:rPr lang="en-US" sz="3600" dirty="0" smtClean="0">
                 <a:solidFill>
                   <a:srgbClr val="000000"/>
                 </a:solidFill>
                 <a:latin typeface="Open Sans"/>
               </a:rPr>
-              <a:t>ve</a:t>
-            </a:r>
-            <a:r>
-              <a:rPr lang="en-US" sz="3600" b="1" dirty="0">
+              <a:t>để vẽ biểu đồ scatter biểu diễn </a:t>
+            </a:r>
+            <a:r>
+              <a:rPr lang="en-US" sz="3600" dirty="0">
                 <a:solidFill>
                   <a:srgbClr val="000000"/>
                 </a:solidFill>
                 <a:latin typeface="Open Sans"/>
               </a:rPr>
-              <a:t>̃: </a:t>
-            </a:r>
-            <a:r>
-              <a:rPr lang="en-US" sz="3600" dirty="0" err="1">
+              <a:t>độ tương quan của từng đặc trưng đến giá </a:t>
+            </a:r>
+            <a:r>
+              <a:rPr lang="en-US" sz="3600" dirty="0" smtClean="0">
                 <a:solidFill>
                   <a:srgbClr val="000000"/>
                 </a:solidFill>
                 <a:latin typeface="Open Sans"/>
               </a:rPr>
-              <a:t>Tôi</a:t>
-            </a:r>
-            <a:r>
-              <a:rPr lang="en-US" sz="3600" dirty="0">
-                <a:solidFill>
-                  <a:srgbClr val="000000"/>
-                </a:solidFill>
-                <a:latin typeface="Open Sans"/>
-              </a:rPr>
-              <a:t> </a:t>
-            </a:r>
-            <a:r>
-              <a:rPr lang="en-US" sz="3600" dirty="0" err="1">
-                <a:solidFill>
-                  <a:srgbClr val="000000"/>
-                </a:solidFill>
-                <a:latin typeface="Open Sans"/>
-              </a:rPr>
-              <a:t>đa</a:t>
-            </a:r>
-            <a:r>
-              <a:rPr lang="en-US" sz="3600" dirty="0">
-                <a:solidFill>
-                  <a:srgbClr val="000000"/>
-                </a:solidFill>
-                <a:latin typeface="Open Sans"/>
-              </a:rPr>
-              <a:t>̃ </a:t>
-            </a:r>
-            <a:r>
-              <a:rPr lang="en-US" sz="3600" dirty="0" err="1">
-                <a:solidFill>
-                  <a:srgbClr val="000000"/>
-                </a:solidFill>
-                <a:latin typeface="Open Sans"/>
-              </a:rPr>
-              <a:t>sư</a:t>
-            </a:r>
-            <a:r>
-              <a:rPr lang="en-US" sz="3600" dirty="0">
-                <a:solidFill>
-                  <a:srgbClr val="000000"/>
-                </a:solidFill>
-                <a:latin typeface="Open Sans"/>
-              </a:rPr>
-              <a:t>̉ </a:t>
-            </a:r>
-            <a:r>
-              <a:rPr lang="en-US" sz="3600" dirty="0" err="1">
-                <a:solidFill>
-                  <a:srgbClr val="000000"/>
-                </a:solidFill>
-                <a:latin typeface="Open Sans"/>
-              </a:rPr>
-              <a:t>dụng</a:t>
-            </a:r>
-            <a:r>
-              <a:rPr lang="en-US" sz="3600" dirty="0">
-                <a:solidFill>
-                  <a:srgbClr val="000000"/>
-                </a:solidFill>
-                <a:latin typeface="Open Sans"/>
-              </a:rPr>
-              <a:t> </a:t>
-            </a:r>
-            <a:r>
-              <a:rPr lang="en-US" sz="3600" dirty="0" err="1">
-                <a:solidFill>
-                  <a:srgbClr val="000000"/>
-                </a:solidFill>
-                <a:latin typeface="Open Sans"/>
-              </a:rPr>
-              <a:t>thư</a:t>
-            </a:r>
-            <a:r>
-              <a:rPr lang="en-US" sz="3600" dirty="0">
-                <a:solidFill>
-                  <a:srgbClr val="000000"/>
-                </a:solidFill>
-                <a:latin typeface="Open Sans"/>
-              </a:rPr>
-              <a:t> </a:t>
-            </a:r>
-            <a:r>
-              <a:rPr lang="en-US" sz="3600" dirty="0" err="1">
-                <a:solidFill>
-                  <a:srgbClr val="000000"/>
-                </a:solidFill>
-                <a:latin typeface="Open Sans"/>
-              </a:rPr>
-              <a:t>viện</a:t>
-            </a:r>
-            <a:r>
-              <a:rPr lang="en-US" sz="3600" dirty="0">
-                <a:solidFill>
-                  <a:srgbClr val="000000"/>
-                </a:solidFill>
-                <a:latin typeface="Open Sans"/>
-              </a:rPr>
-              <a:t> </a:t>
-            </a:r>
-            <a:r>
-              <a:rPr lang="en-US" sz="3600" dirty="0" err="1">
-                <a:solidFill>
-                  <a:srgbClr val="000000"/>
-                </a:solidFill>
-                <a:latin typeface="Open Sans"/>
-              </a:rPr>
-              <a:t>matplotlib.pyplot</a:t>
-            </a:r>
-            <a:r>
-              <a:rPr lang="en-US" sz="3600" dirty="0">
-                <a:solidFill>
-                  <a:srgbClr val="000000"/>
-                </a:solidFill>
-                <a:latin typeface="Open Sans"/>
-              </a:rPr>
-              <a:t> </a:t>
-            </a:r>
-            <a:r>
-              <a:rPr lang="en-US" sz="3600" dirty="0" err="1">
-                <a:solidFill>
-                  <a:srgbClr val="000000"/>
-                </a:solidFill>
-                <a:latin typeface="Open Sans"/>
-              </a:rPr>
-              <a:t>va</a:t>
-            </a:r>
-            <a:r>
-              <a:rPr lang="en-US" sz="3600" dirty="0">
-                <a:solidFill>
-                  <a:srgbClr val="000000"/>
-                </a:solidFill>
-                <a:latin typeface="Open Sans"/>
-              </a:rPr>
-              <a:t>̀ seaborn </a:t>
-            </a:r>
-            <a:r>
-              <a:rPr lang="en-US" sz="3600" dirty="0" err="1">
-                <a:solidFill>
-                  <a:srgbClr val="000000"/>
-                </a:solidFill>
-                <a:latin typeface="Open Sans"/>
-              </a:rPr>
-              <a:t>cùng</a:t>
-            </a:r>
-            <a:r>
-              <a:rPr lang="en-US" sz="3600" dirty="0">
-                <a:solidFill>
-                  <a:srgbClr val="000000"/>
-                </a:solidFill>
-                <a:latin typeface="Open Sans"/>
-              </a:rPr>
-              <a:t> </a:t>
-            </a:r>
-            <a:r>
-              <a:rPr lang="en-US" sz="3600" dirty="0" err="1">
-                <a:solidFill>
-                  <a:srgbClr val="000000"/>
-                </a:solidFill>
-                <a:latin typeface="Open Sans"/>
-              </a:rPr>
-              <a:t>vòng</a:t>
-            </a:r>
-            <a:r>
-              <a:rPr lang="en-US" sz="3600" dirty="0">
-                <a:solidFill>
-                  <a:srgbClr val="000000"/>
-                </a:solidFill>
-                <a:latin typeface="Open Sans"/>
-              </a:rPr>
-              <a:t> </a:t>
-            </a:r>
-            <a:r>
-              <a:rPr lang="en-US" sz="3600" dirty="0" err="1">
-                <a:solidFill>
-                  <a:srgbClr val="000000"/>
-                </a:solidFill>
-                <a:latin typeface="Open Sans"/>
-              </a:rPr>
-              <a:t>lặp</a:t>
-            </a:r>
-            <a:r>
-              <a:rPr lang="en-US" sz="3600" dirty="0">
-                <a:solidFill>
-                  <a:srgbClr val="000000"/>
-                </a:solidFill>
-                <a:latin typeface="Open Sans"/>
-              </a:rPr>
-              <a:t> </a:t>
-            </a:r>
-            <a:r>
-              <a:rPr lang="en-US" sz="3600" dirty="0" err="1">
-                <a:solidFill>
-                  <a:srgbClr val="000000"/>
-                </a:solidFill>
-                <a:latin typeface="Open Sans"/>
-              </a:rPr>
-              <a:t>đê</a:t>
-            </a:r>
-            <a:r>
-              <a:rPr lang="en-US" sz="3600" dirty="0">
-                <a:solidFill>
-                  <a:srgbClr val="000000"/>
-                </a:solidFill>
-                <a:latin typeface="Open Sans"/>
-              </a:rPr>
-              <a:t>̉ </a:t>
-            </a:r>
-            <a:r>
-              <a:rPr lang="en-US" sz="3600" dirty="0" err="1">
-                <a:solidFill>
-                  <a:srgbClr val="000000"/>
-                </a:solidFill>
-                <a:latin typeface="Open Sans"/>
-              </a:rPr>
-              <a:t>ve</a:t>
-            </a:r>
-            <a:r>
-              <a:rPr lang="en-US" sz="3600" dirty="0">
-                <a:solidFill>
-                  <a:srgbClr val="000000"/>
-                </a:solidFill>
-                <a:latin typeface="Open Sans"/>
-              </a:rPr>
-              <a:t>̃ </a:t>
-            </a:r>
-            <a:r>
-              <a:rPr lang="en-US" sz="3600" dirty="0" err="1">
-                <a:solidFill>
-                  <a:srgbClr val="000000"/>
-                </a:solidFill>
-                <a:latin typeface="Open Sans"/>
-              </a:rPr>
-              <a:t>đô</a:t>
-            </a:r>
-            <a:r>
-              <a:rPr lang="en-US" sz="3600" dirty="0">
-                <a:solidFill>
-                  <a:srgbClr val="000000"/>
-                </a:solidFill>
-                <a:latin typeface="Open Sans"/>
-              </a:rPr>
-              <a:t>̣ </a:t>
-            </a:r>
-            <a:r>
-              <a:rPr lang="en-US" sz="3600" dirty="0" err="1">
-                <a:solidFill>
-                  <a:srgbClr val="000000"/>
-                </a:solidFill>
-                <a:latin typeface="Open Sans"/>
-              </a:rPr>
-              <a:t>tương</a:t>
-            </a:r>
-            <a:r>
-              <a:rPr lang="en-US" sz="3600" dirty="0">
-                <a:solidFill>
-                  <a:srgbClr val="000000"/>
-                </a:solidFill>
-                <a:latin typeface="Open Sans"/>
-              </a:rPr>
-              <a:t> </a:t>
-            </a:r>
-            <a:r>
-              <a:rPr lang="en-US" sz="3600" dirty="0" err="1">
-                <a:solidFill>
-                  <a:srgbClr val="000000"/>
-                </a:solidFill>
-                <a:latin typeface="Open Sans"/>
-              </a:rPr>
-              <a:t>quan</a:t>
-            </a:r>
-            <a:r>
-              <a:rPr lang="en-US" sz="3600" dirty="0">
-                <a:solidFill>
-                  <a:srgbClr val="000000"/>
-                </a:solidFill>
-                <a:latin typeface="Open Sans"/>
-              </a:rPr>
-              <a:t> </a:t>
-            </a:r>
-            <a:r>
-              <a:rPr lang="en-US" sz="3600" dirty="0" err="1">
-                <a:solidFill>
-                  <a:srgbClr val="000000"/>
-                </a:solidFill>
-                <a:latin typeface="Open Sans"/>
-              </a:rPr>
-              <a:t>của</a:t>
-            </a:r>
-            <a:r>
-              <a:rPr lang="en-US" sz="3600" dirty="0">
-                <a:solidFill>
-                  <a:srgbClr val="000000"/>
-                </a:solidFill>
-                <a:latin typeface="Open Sans"/>
-              </a:rPr>
-              <a:t> </a:t>
-            </a:r>
-            <a:r>
-              <a:rPr lang="en-US" sz="3600" dirty="0" err="1">
-                <a:solidFill>
-                  <a:srgbClr val="000000"/>
-                </a:solidFill>
-                <a:latin typeface="Open Sans"/>
-              </a:rPr>
-              <a:t>từng</a:t>
-            </a:r>
-            <a:r>
-              <a:rPr lang="en-US" sz="3600" dirty="0">
-                <a:solidFill>
-                  <a:srgbClr val="000000"/>
-                </a:solidFill>
-                <a:latin typeface="Open Sans"/>
-              </a:rPr>
-              <a:t> </a:t>
-            </a:r>
-            <a:r>
-              <a:rPr lang="en-US" sz="3600" dirty="0" err="1">
-                <a:solidFill>
-                  <a:srgbClr val="000000"/>
-                </a:solidFill>
-                <a:latin typeface="Open Sans"/>
-              </a:rPr>
-              <a:t>đặc</a:t>
-            </a:r>
-            <a:r>
-              <a:rPr lang="en-US" sz="3600" dirty="0">
-                <a:solidFill>
-                  <a:srgbClr val="000000"/>
-                </a:solidFill>
-                <a:latin typeface="Open Sans"/>
-              </a:rPr>
-              <a:t> </a:t>
-            </a:r>
-            <a:r>
-              <a:rPr lang="en-US" sz="3600" dirty="0" err="1">
-                <a:solidFill>
-                  <a:srgbClr val="000000"/>
-                </a:solidFill>
-                <a:latin typeface="Open Sans"/>
-              </a:rPr>
-              <a:t>trưng</a:t>
-            </a:r>
-            <a:r>
-              <a:rPr lang="en-US" sz="3600" dirty="0">
-                <a:solidFill>
-                  <a:srgbClr val="000000"/>
-                </a:solidFill>
-                <a:latin typeface="Open Sans"/>
-              </a:rPr>
-              <a:t> </a:t>
-            </a:r>
-            <a:r>
-              <a:rPr lang="en-US" sz="3600" dirty="0" err="1">
-                <a:solidFill>
-                  <a:srgbClr val="000000"/>
-                </a:solidFill>
-                <a:latin typeface="Open Sans"/>
-              </a:rPr>
-              <a:t>đến</a:t>
-            </a:r>
-            <a:r>
-              <a:rPr lang="en-US" sz="3600" dirty="0">
-                <a:solidFill>
-                  <a:srgbClr val="000000"/>
-                </a:solidFill>
-                <a:latin typeface="Open Sans"/>
-              </a:rPr>
-              <a:t> </a:t>
-            </a:r>
-            <a:r>
-              <a:rPr lang="en-US" sz="3600" dirty="0" err="1">
-                <a:solidFill>
-                  <a:srgbClr val="000000"/>
-                </a:solidFill>
-                <a:latin typeface="Open Sans"/>
-              </a:rPr>
-              <a:t>gia</a:t>
-            </a:r>
-            <a:r>
-              <a:rPr lang="en-US" sz="3600" dirty="0">
-                <a:solidFill>
-                  <a:srgbClr val="000000"/>
-                </a:solidFill>
-                <a:latin typeface="Open Sans"/>
-              </a:rPr>
-              <a:t>́ Close </a:t>
-            </a:r>
-            <a:r>
-              <a:rPr lang="en-US" sz="3600" dirty="0" err="1">
-                <a:solidFill>
-                  <a:srgbClr val="000000"/>
-                </a:solidFill>
-                <a:latin typeface="Open Sans"/>
-              </a:rPr>
-              <a:t>trên</a:t>
-            </a:r>
-            <a:r>
-              <a:rPr lang="en-US" sz="3600" dirty="0">
-                <a:solidFill>
-                  <a:srgbClr val="000000"/>
-                </a:solidFill>
-                <a:latin typeface="Open Sans"/>
-              </a:rPr>
-              <a:t> </a:t>
-            </a:r>
-            <a:r>
-              <a:rPr lang="en-US" sz="3600" dirty="0" err="1">
-                <a:solidFill>
-                  <a:srgbClr val="000000"/>
-                </a:solidFill>
-                <a:latin typeface="Open Sans"/>
-              </a:rPr>
-              <a:t>biểu</a:t>
-            </a:r>
-            <a:r>
-              <a:rPr lang="en-US" sz="3600" dirty="0">
-                <a:solidFill>
-                  <a:srgbClr val="000000"/>
-                </a:solidFill>
-                <a:latin typeface="Open Sans"/>
-              </a:rPr>
-              <a:t> </a:t>
-            </a:r>
-            <a:r>
-              <a:rPr lang="en-US" sz="3600" dirty="0" err="1">
-                <a:solidFill>
-                  <a:srgbClr val="000000"/>
-                </a:solidFill>
-                <a:latin typeface="Open Sans"/>
-              </a:rPr>
-              <a:t>đô</a:t>
-            </a:r>
-            <a:r>
-              <a:rPr lang="en-US" sz="3600" dirty="0">
-                <a:solidFill>
-                  <a:srgbClr val="000000"/>
-                </a:solidFill>
-                <a:latin typeface="Open Sans"/>
-              </a:rPr>
-              <a:t>̀ </a:t>
-            </a:r>
-            <a:r>
-              <a:rPr lang="en-US" sz="3600" dirty="0" err="1">
-                <a:solidFill>
-                  <a:srgbClr val="000000"/>
-                </a:solidFill>
-                <a:latin typeface="Open Sans"/>
-              </a:rPr>
-              <a:t>đường</a:t>
+              <a:t>Close.</a:t>
             </a:r>
             <a:endParaRPr lang="en-US" sz="3600" dirty="0">
               <a:solidFill>
@@ -16638,13 +15526,7 @@
       </p:sp>
       <p:pic>
         <p:nvPicPr>
-          <p:cNvPr id="5" name="Picture 4">
-            <a:extLst>
-              <a:ext uri="{FF2B5EF4-FFF2-40B4-BE49-F238E27FC236}">
-                <a16:creationId xmlns:a16="http://schemas.microsoft.com/office/drawing/2014/main" id="{50829C99-5109-8D11-EC35-05821C521F71}"/>
-              </a:ext>
-            </a:extLst>
-          </p:cNvPr>
+          <p:cNvPr id="4" name="Picture 3"/>
           <p:cNvPicPr>
             <a:picLocks noChangeAspect="1"/>
           </p:cNvPicPr>
@@ -16658,8 +15540,8 @@
         </p:blipFill>
         <p:spPr>
           <a:xfrm>
-            <a:off x="782087" y="324918"/>
-            <a:ext cx="4288851" cy="3381783"/>
+            <a:off x="1510551" y="1268279"/>
+            <a:ext cx="4318925" cy="3419149"/>
           </a:xfrm>
           <a:prstGeom prst="rect">
             <a:avLst/>
@@ -16668,13 +15550,7 @@
       </p:pic>
       <p:pic>
         <p:nvPicPr>
-          <p:cNvPr id="14" name="Picture 13">
-            <a:extLst>
-              <a:ext uri="{FF2B5EF4-FFF2-40B4-BE49-F238E27FC236}">
-                <a16:creationId xmlns:a16="http://schemas.microsoft.com/office/drawing/2014/main" id="{F95E6A2D-F586-A110-0CA7-71965941960D}"/>
-              </a:ext>
-            </a:extLst>
-          </p:cNvPr>
+          <p:cNvPr id="6" name="Picture 5"/>
           <p:cNvPicPr>
             <a:picLocks noChangeAspect="1"/>
           </p:cNvPicPr>
@@ -16688,8 +15564,8 @@
         </p:blipFill>
         <p:spPr>
           <a:xfrm>
-            <a:off x="782086" y="3712322"/>
-            <a:ext cx="4288851" cy="3390611"/>
+            <a:off x="0" y="4677437"/>
+            <a:ext cx="4344166" cy="3439131"/>
           </a:xfrm>
           <a:prstGeom prst="rect">
             <a:avLst/>
@@ -16698,13 +15574,7 @@
       </p:pic>
       <p:pic>
         <p:nvPicPr>
-          <p:cNvPr id="15" name="Picture 14">
-            <a:extLst>
-              <a:ext uri="{FF2B5EF4-FFF2-40B4-BE49-F238E27FC236}">
-                <a16:creationId xmlns:a16="http://schemas.microsoft.com/office/drawing/2014/main" id="{23E94675-144D-8C42-7352-1BFACBA53ACE}"/>
-              </a:ext>
-            </a:extLst>
-          </p:cNvPr>
+          <p:cNvPr id="8" name="Picture 7"/>
           <p:cNvPicPr>
             <a:picLocks noChangeAspect="1"/>
           </p:cNvPicPr>
@@ -16718,8 +15588,8 @@
         </p:blipFill>
         <p:spPr>
           <a:xfrm>
-            <a:off x="5070937" y="2239917"/>
-            <a:ext cx="4326914" cy="3401849"/>
+            <a:off x="4344167" y="4656080"/>
+            <a:ext cx="4357650" cy="3460487"/>
           </a:xfrm>
           <a:prstGeom prst="rect">
             <a:avLst/>
@@ -18196,8 +17066,8 @@
         </p:blipFill>
         <p:spPr>
           <a:xfrm>
-            <a:off x="304800" y="2095500"/>
-            <a:ext cx="7994651" cy="4419600"/>
+            <a:off x="0" y="2370667"/>
+            <a:ext cx="8408167" cy="4648200"/>
           </a:xfrm>
           <a:prstGeom prst="rect">
             <a:avLst/>
@@ -18210,7 +17080,7 @@
     <a:masterClrMapping/>
   </p:clrMapOvr>
   <mc:AlternateContent xmlns:mc="http://schemas.openxmlformats.org/markup-compatibility/2006">
-    <mc:Choice xmlns:p159="http://schemas.microsoft.com/office/powerpoint/2015/09/main" xmlns="" Requires="p159">
+    <mc:Choice xmlns="" xmlns:p159="http://schemas.microsoft.com/office/powerpoint/2015/09/main" Requires="p159">
       <p:transition xmlns:p14="http://schemas.microsoft.com/office/powerpoint/2010/main" spd="slow" p14:dur="2000">
         <p159:morph option="byObject"/>
       </p:transition>

--- a/AAPL_DA/AAPL_DA.pptx
+++ b/AAPL_DA/AAPL_DA.pptx
@@ -27,30 +27,30 @@
   <p:notesSz cx="6858000" cy="9144000"/>
   <p:embeddedFontLst>
     <p:embeddedFont>
+      <p:font typeface="Open Sans" panose="020B0604020202020204" charset="0"/>
+      <p:regular r:id="rId17"/>
+      <p:bold r:id="rId18"/>
+      <p:italic r:id="rId19"/>
+      <p:boldItalic r:id="rId20"/>
+    </p:embeddedFont>
+    <p:embeddedFont>
+      <p:font typeface="Roboto Bold" panose="020B0604020202020204" charset="0"/>
+      <p:regular r:id="rId21"/>
+    </p:embeddedFont>
+    <p:embeddedFont>
       <p:font typeface="Imprint MT Shadow" panose="04020605060303030202" pitchFamily="82" charset="0"/>
-      <p:regular r:id="rId17"/>
+      <p:regular r:id="rId22"/>
+    </p:embeddedFont>
+    <p:embeddedFont>
+      <p:font typeface="Open Sans Bold" panose="020B0604020202020204" charset="0"/>
+      <p:regular r:id="rId23"/>
+    </p:embeddedFont>
+    <p:embeddedFont>
+      <p:font typeface="Arimo Bold" panose="020B0604020202020204" charset="0"/>
+      <p:regular r:id="rId24"/>
     </p:embeddedFont>
     <p:embeddedFont>
       <p:font typeface="Quicksand Bold" panose="020B0604020202020204" charset="0"/>
-      <p:regular r:id="rId18"/>
-    </p:embeddedFont>
-    <p:embeddedFont>
-      <p:font typeface="Arimo Bold" panose="020B0604020202020204" charset="0"/>
-      <p:regular r:id="rId19"/>
-    </p:embeddedFont>
-    <p:embeddedFont>
-      <p:font typeface="Open Sans" panose="020B0604020202020204" charset="0"/>
-      <p:regular r:id="rId20"/>
-      <p:bold r:id="rId21"/>
-      <p:italic r:id="rId22"/>
-      <p:boldItalic r:id="rId23"/>
-    </p:embeddedFont>
-    <p:embeddedFont>
-      <p:font typeface="Open Sans Bold" panose="020B0604020202020204" charset="0"/>
-      <p:regular r:id="rId24"/>
-    </p:embeddedFont>
-    <p:embeddedFont>
-      <p:font typeface="Roboto Bold" panose="020B0604020202020204" charset="0"/>
       <p:regular r:id="rId25"/>
     </p:embeddedFont>
     <p:embeddedFont>
@@ -16295,7 +16295,7 @@
         <p:spPr>
           <a:xfrm>
             <a:off x="8803889" y="2370667"/>
-            <a:ext cx="8382000" cy="842475"/>
+            <a:ext cx="8382000" cy="872034"/>
           </a:xfrm>
           <a:prstGeom prst="rect">
             <a:avLst/>
@@ -16313,7 +16313,7 @@
               </a:lnSpc>
             </a:pPr>
             <a:r>
-              <a:rPr kumimoji="0" lang="en-US" sz="2400" b="1" i="0" u="none" strike="noStrike" kern="1200" cap="none" spc="0" normalizeH="0" baseline="0" noProof="0" dirty="0" err="1">
+              <a:rPr kumimoji="0" lang="en-US" sz="2400" b="1" i="0" u="none" strike="noStrike" kern="1200" cap="none" spc="0" normalizeH="0" baseline="0" noProof="0" dirty="0">
                 <a:ln>
                   <a:noFill/>
                 </a:ln>
@@ -16327,10 +16327,10 @@
                 <a:ea typeface="+mn-ea"/>
                 <a:cs typeface="+mn-cs"/>
               </a:rPr>
-              <a:t>Tôi</a:t>
-            </a:r>
-            <a:r>
-              <a:rPr kumimoji="0" lang="en-US" sz="2400" b="1" i="0" u="none" strike="noStrike" kern="1200" cap="none" spc="0" normalizeH="0" baseline="0" noProof="0" dirty="0">
+              <a:t>Tôi dự đoán giá </a:t>
+            </a:r>
+            <a:r>
+              <a:rPr kumimoji="0" lang="en-US" sz="2400" b="1" i="0" u="none" strike="noStrike" kern="1200" cap="none" spc="0" normalizeH="0" baseline="0" noProof="0" dirty="0" smtClean="0">
                 <a:ln>
                   <a:noFill/>
                 </a:ln>
@@ -16344,10 +16344,10 @@
                 <a:ea typeface="+mn-ea"/>
                 <a:cs typeface="+mn-cs"/>
               </a:rPr>
-              <a:t> </a:t>
-            </a:r>
-            <a:r>
-              <a:rPr kumimoji="0" lang="en-US" sz="2400" b="1" i="0" u="none" strike="noStrike" kern="1200" cap="none" spc="0" normalizeH="0" baseline="0" noProof="0" dirty="0" err="1">
+              <a:t>cổ</a:t>
+            </a:r>
+            <a:r>
+              <a:rPr kumimoji="0" lang="en-US" sz="2400" b="1" i="0" u="none" strike="noStrike" kern="1200" cap="none" spc="0" normalizeH="0" noProof="0" dirty="0" smtClean="0">
                 <a:ln>
                   <a:noFill/>
                 </a:ln>
@@ -16361,146 +16361,10 @@
                 <a:ea typeface="+mn-ea"/>
                 <a:cs typeface="+mn-cs"/>
               </a:rPr>
-              <a:t>dư</a:t>
-            </a:r>
-            <a:r>
-              <a:rPr kumimoji="0" lang="en-US" sz="2400" b="1" i="0" u="none" strike="noStrike" kern="1200" cap="none" spc="0" normalizeH="0" baseline="0" noProof="0" dirty="0">
-                <a:ln>
-                  <a:noFill/>
-                </a:ln>
-                <a:solidFill>
-                  <a:srgbClr val="000000"/>
-                </a:solidFill>
-                <a:effectLst/>
-                <a:uLnTx/>
-                <a:uFillTx/>
-                <a:latin typeface="Open Sans"/>
-                <a:ea typeface="+mn-ea"/>
-                <a:cs typeface="+mn-cs"/>
-              </a:rPr>
-              <a:t>̣ </a:t>
-            </a:r>
-            <a:r>
-              <a:rPr kumimoji="0" lang="en-US" sz="2400" b="1" i="0" u="none" strike="noStrike" kern="1200" cap="none" spc="0" normalizeH="0" baseline="0" noProof="0" dirty="0" err="1">
-                <a:ln>
-                  <a:noFill/>
-                </a:ln>
-                <a:solidFill>
-                  <a:srgbClr val="000000"/>
-                </a:solidFill>
-                <a:effectLst/>
-                <a:uLnTx/>
-                <a:uFillTx/>
-                <a:latin typeface="Open Sans"/>
-                <a:ea typeface="+mn-ea"/>
-                <a:cs typeface="+mn-cs"/>
-              </a:rPr>
-              <a:t>đoán</a:t>
-            </a:r>
-            <a:r>
-              <a:rPr kumimoji="0" lang="en-US" sz="2400" b="1" i="0" u="none" strike="noStrike" kern="1200" cap="none" spc="0" normalizeH="0" baseline="0" noProof="0" dirty="0">
-                <a:ln>
-                  <a:noFill/>
-                </a:ln>
-                <a:solidFill>
-                  <a:srgbClr val="000000"/>
-                </a:solidFill>
-                <a:effectLst/>
-                <a:uLnTx/>
-                <a:uFillTx/>
-                <a:latin typeface="Open Sans"/>
-                <a:ea typeface="+mn-ea"/>
-                <a:cs typeface="+mn-cs"/>
-              </a:rPr>
               <a:t> </a:t>
             </a:r>
             <a:r>
-              <a:rPr kumimoji="0" lang="en-US" sz="2400" b="1" i="0" u="none" strike="noStrike" kern="1200" cap="none" spc="0" normalizeH="0" baseline="0" noProof="0" dirty="0" err="1">
-                <a:ln>
-                  <a:noFill/>
-                </a:ln>
-                <a:solidFill>
-                  <a:srgbClr val="000000"/>
-                </a:solidFill>
-                <a:effectLst/>
-                <a:uLnTx/>
-                <a:uFillTx/>
-                <a:latin typeface="Open Sans"/>
-                <a:ea typeface="+mn-ea"/>
-                <a:cs typeface="+mn-cs"/>
-              </a:rPr>
-              <a:t>gia</a:t>
-            </a:r>
-            <a:r>
-              <a:rPr kumimoji="0" lang="en-US" sz="2400" b="1" i="0" u="none" strike="noStrike" kern="1200" cap="none" spc="0" normalizeH="0" baseline="0" noProof="0" dirty="0">
-                <a:ln>
-                  <a:noFill/>
-                </a:ln>
-                <a:solidFill>
-                  <a:srgbClr val="000000"/>
-                </a:solidFill>
-                <a:effectLst/>
-                <a:uLnTx/>
-                <a:uFillTx/>
-                <a:latin typeface="Open Sans"/>
-                <a:ea typeface="+mn-ea"/>
-                <a:cs typeface="+mn-cs"/>
-              </a:rPr>
-              <a:t>́ </a:t>
-            </a:r>
-            <a:r>
-              <a:rPr kumimoji="0" lang="en-US" sz="2400" b="1" i="0" u="none" strike="noStrike" kern="1200" cap="none" spc="0" normalizeH="0" baseline="0" noProof="0" dirty="0" err="1">
-                <a:ln>
-                  <a:noFill/>
-                </a:ln>
-                <a:solidFill>
-                  <a:srgbClr val="000000"/>
-                </a:solidFill>
-                <a:effectLst/>
-                <a:uLnTx/>
-                <a:uFillTx/>
-                <a:latin typeface="Open Sans"/>
-                <a:ea typeface="+mn-ea"/>
-                <a:cs typeface="+mn-cs"/>
-              </a:rPr>
-              <a:t>cô</a:t>
-            </a:r>
-            <a:r>
-              <a:rPr kumimoji="0" lang="en-US" sz="2400" b="1" i="0" u="none" strike="noStrike" kern="1200" cap="none" spc="0" normalizeH="0" baseline="0" noProof="0" dirty="0">
-                <a:ln>
-                  <a:noFill/>
-                </a:ln>
-                <a:solidFill>
-                  <a:srgbClr val="000000"/>
-                </a:solidFill>
-                <a:effectLst/>
-                <a:uLnTx/>
-                <a:uFillTx/>
-                <a:latin typeface="Open Sans"/>
-                <a:ea typeface="+mn-ea"/>
-                <a:cs typeface="+mn-cs"/>
-              </a:rPr>
-              <a:t>̉</a:t>
-            </a:r>
-            <a:r>
               <a:rPr kumimoji="0" lang="en-US" sz="2400" b="1" i="0" u="none" strike="noStrike" kern="1200" cap="none" spc="0" normalizeH="0" noProof="0" dirty="0">
-                <a:ln>
-                  <a:noFill/>
-                </a:ln>
-                <a:solidFill>
-                  <a:srgbClr val="000000"/>
-                </a:solidFill>
-                <a:effectLst/>
-                <a:uLnTx/>
-                <a:uFillTx/>
-                <a:latin typeface="Open Sans"/>
-                <a:ea typeface="+mn-ea"/>
-                <a:cs typeface="+mn-cs"/>
-              </a:rPr>
-              <a:t> </a:t>
-            </a:r>
-            <a:r>
-              <a:rPr kumimoji="0" lang="en-US" sz="2400" b="1" i="0" u="none" strike="noStrike" kern="1200" cap="none" spc="0" normalizeH="0" noProof="0" dirty="0" err="1">
                 <a:ln>
                   <a:noFill/>
                 </a:ln>
@@ -17080,7 +16944,7 @@
     <a:masterClrMapping/>
   </p:clrMapOvr>
   <mc:AlternateContent xmlns:mc="http://schemas.openxmlformats.org/markup-compatibility/2006">
-    <mc:Choice xmlns="" xmlns:p159="http://schemas.microsoft.com/office/powerpoint/2015/09/main" Requires="p159">
+    <mc:Choice xmlns:p159="http://schemas.microsoft.com/office/powerpoint/2015/09/main" xmlns="" Requires="p159">
       <p:transition xmlns:p14="http://schemas.microsoft.com/office/powerpoint/2010/main" spd="slow" p14:dur="2000">
         <p159:morph option="byObject"/>
       </p:transition>
